--- a/icon.pptx
+++ b/icon.pptx
@@ -3116,8 +3116,8 @@
         </p:nvSpPr>
         <p:spPr>
           <a:xfrm>
-            <a:off x="3896995" y="1646555"/>
-            <a:ext cx="2240915" cy="1476375"/>
+            <a:off x="3774440" y="2342515"/>
+            <a:ext cx="2486660" cy="321945"/>
           </a:xfrm>
           <a:prstGeom prst="rect">
             <a:avLst/>
@@ -3130,102 +3130,16 @@
           </a:bodyPr>
           <a:p>
             <a:r>
-              <a:rPr lang="zh-CN" altLang="en-US">
+              <a:rPr lang="en-US" altLang="zh-CN" sz="1500">
                 <a:solidFill>
                   <a:srgbClr val="07FFFD"/>
                 </a:solidFill>
                 <a:latin typeface="Minecraftia" panose="00000400000000000000" charset="0"/>
                 <a:cs typeface="Minecraftia" panose="00000400000000000000" charset="0"/>
               </a:rPr>
-              <a:t>use</a:t>
-            </a:r>
-            <a:endParaRPr lang="zh-CN" altLang="en-US">
-              <a:solidFill>
-                <a:srgbClr val="07FFFD"/>
-              </a:solidFill>
-              <a:latin typeface="Minecraftia" panose="00000400000000000000" charset="0"/>
-              <a:cs typeface="Minecraftia" panose="00000400000000000000" charset="0"/>
-            </a:endParaRPr>
-          </a:p>
-          <a:p>
-            <a:r>
-              <a:rPr lang="zh-CN" altLang="en-US">
-                <a:solidFill>
-                  <a:srgbClr val="07FFFD"/>
-                </a:solidFill>
-                <a:latin typeface="Minecraftia" panose="00000400000000000000" charset="0"/>
-                <a:cs typeface="Minecraftia" panose="00000400000000000000" charset="0"/>
-              </a:rPr>
-              <a:t>for 2</a:t>
-            </a:r>
-            <a:endParaRPr lang="zh-CN" altLang="en-US">
-              <a:solidFill>
-                <a:srgbClr val="07FFFD"/>
-              </a:solidFill>
-              <a:latin typeface="Minecraftia" panose="00000400000000000000" charset="0"/>
-              <a:cs typeface="Minecraftia" panose="00000400000000000000" charset="0"/>
-            </a:endParaRPr>
-          </a:p>
-          <a:p>
-            <a:r>
-              <a:rPr lang="en-US" altLang="zh-CN">
-                <a:solidFill>
-                  <a:srgbClr val="07FFFD"/>
-                </a:solidFill>
-                <a:latin typeface="Minecraftia" panose="00000400000000000000" charset="0"/>
-                <a:cs typeface="Minecraftia" panose="00000400000000000000" charset="0"/>
-              </a:rPr>
-              <a:t>    </a:t>
-            </a:r>
-            <a:r>
-              <a:rPr lang="zh-CN" altLang="en-US">
-                <a:solidFill>
-                  <a:srgbClr val="07FFFD"/>
-                </a:solidFill>
-                <a:latin typeface="Minecraftia" panose="00000400000000000000" charset="0"/>
-                <a:cs typeface="Minecraftia" panose="00000400000000000000" charset="0"/>
-              </a:rPr>
-              <a:t>craft bow</a:t>
-            </a:r>
-            <a:endParaRPr lang="zh-CN" altLang="en-US">
-              <a:solidFill>
-                <a:srgbClr val="07FFFD"/>
-              </a:solidFill>
-              <a:latin typeface="Minecraftia" panose="00000400000000000000" charset="0"/>
-              <a:cs typeface="Minecraftia" panose="00000400000000000000" charset="0"/>
-            </a:endParaRPr>
-          </a:p>
-          <a:p>
-            <a:r>
-              <a:rPr lang="zh-CN" altLang="en-US">
-                <a:solidFill>
-                  <a:srgbClr val="07FFFD"/>
-                </a:solidFill>
-                <a:latin typeface="Minecraftia" panose="00000400000000000000" charset="0"/>
-                <a:cs typeface="Minecraftia" panose="00000400000000000000" charset="0"/>
-              </a:rPr>
-              <a:t>fend</a:t>
-            </a:r>
-            <a:endParaRPr lang="zh-CN" altLang="en-US">
-              <a:solidFill>
-                <a:srgbClr val="07FFFD"/>
-              </a:solidFill>
-              <a:latin typeface="Minecraftia" panose="00000400000000000000" charset="0"/>
-              <a:cs typeface="Minecraftia" panose="00000400000000000000" charset="0"/>
-            </a:endParaRPr>
-          </a:p>
-          <a:p>
-            <a:r>
-              <a:rPr lang="zh-CN" altLang="en-US">
-                <a:solidFill>
-                  <a:srgbClr val="07FFFD"/>
-                </a:solidFill>
-                <a:latin typeface="Minecraftia" panose="00000400000000000000" charset="0"/>
-                <a:cs typeface="Minecraftia" panose="00000400000000000000" charset="0"/>
-              </a:rPr>
-              <a:t>close</a:t>
-            </a:r>
-            <a:endParaRPr lang="zh-CN" altLang="en-US">
+              <a:t>log hello Minecraft</a:t>
+            </a:r>
+            <a:endParaRPr lang="en-US" altLang="zh-CN" sz="1500">
               <a:solidFill>
                 <a:srgbClr val="07FFFD"/>
               </a:solidFill>
@@ -3386,7 +3300,6 @@
             <a:pPr algn="ctr"/>
             <a:r>
               <a:rPr lang="en-US" altLang="zh-CN" sz="3600" b="1">
-                <a:ln/>
                 <a:solidFill>
                   <a:srgbClr val="FFFF00"/>
                 </a:solidFill>
@@ -3397,7 +3310,6 @@
               <a:t>Pendulum</a:t>
             </a:r>
             <a:endParaRPr lang="en-US" altLang="zh-CN" sz="3600" b="1">
-              <a:ln/>
               <a:solidFill>
                 <a:srgbClr val="FFFF00"/>
               </a:solidFill>
@@ -4257,6 +4169,7 @@
 <file path=ppt/tags/tag64.xml><?xml version="1.0" encoding="utf-8"?>
 <p:tagLst xmlns:p="http://schemas.openxmlformats.org/presentationml/2006/main">
   <p:tag name="COMMONDATA" val="eyJoZGlkIjoiNDI1NGQ4MDY4NjMxYWVlMzc3ODM2NDE0MmU1ODUxYzYifQ=="/>
+  <p:tag name="KSO_WPP_MARK_KEY" val="3996a664-8679-4e43-9908-a32d0d920311"/>
 </p:tagLst>
 </file>
 
